--- a/2_Graph Image/그래프.pptx
+++ b/2_Graph Image/그래프.pptx
@@ -8,9 +8,11 @@
     <p:sldId id="256" r:id="rId2"/>
     <p:sldId id="257" r:id="rId3"/>
     <p:sldId id="258" r:id="rId4"/>
-    <p:sldId id="259" r:id="rId5"/>
-    <p:sldId id="260" r:id="rId6"/>
-    <p:sldId id="261" r:id="rId7"/>
+    <p:sldId id="263" r:id="rId5"/>
+    <p:sldId id="259" r:id="rId6"/>
+    <p:sldId id="260" r:id="rId7"/>
+    <p:sldId id="261" r:id="rId8"/>
+    <p:sldId id="262" r:id="rId9"/>
   </p:sldIdLst>
   <p:sldSz cx="12192000" cy="6858000"/>
   <p:notesSz cx="6858000" cy="9144000"/>
@@ -109,6 +111,11 @@
       </a:defRPr>
     </a:lvl9pPr>
   </p:defaultTextStyle>
+  <p:extLst>
+    <p:ext uri="{EFAFB233-063F-42B5-8137-9DF3F51BA10A}">
+      <p15:sldGuideLst xmlns:p15="http://schemas.microsoft.com/office/powerpoint/2012/main"/>
+    </p:ext>
+  </p:extLst>
 </p:presentation>
 </file>
 
@@ -3850,10 +3857,10 @@
       </p:grpSpPr>
       <p:pic>
         <p:nvPicPr>
-          <p:cNvPr id="5" name="그림 4">
-            <a:extLst>
-              <a:ext uri="{FF2B5EF4-FFF2-40B4-BE49-F238E27FC236}">
-                <a16:creationId xmlns:a16="http://schemas.microsoft.com/office/drawing/2014/main" id="{DDFAA0C1-CA2C-44A7-A6D9-BF330CB9FC36}"/>
+          <p:cNvPr id="3" name="그림 2">
+            <a:extLst>
+              <a:ext uri="{FF2B5EF4-FFF2-40B4-BE49-F238E27FC236}">
+                <a16:creationId xmlns:a16="http://schemas.microsoft.com/office/drawing/2014/main" id="{FEE067BC-F6AA-469A-BFE9-EA4C6EFAB96C}"/>
               </a:ext>
             </a:extLst>
           </p:cNvPr>
@@ -3876,7 +3883,7 @@
         </p:blipFill>
         <p:spPr>
           <a:xfrm>
-            <a:off x="0" y="0"/>
+            <a:off x="0" y="3331028"/>
             <a:ext cx="6120000" cy="3420000"/>
           </a:xfrm>
           <a:prstGeom prst="rect">
@@ -3886,10 +3893,10 @@
       </p:pic>
       <p:pic>
         <p:nvPicPr>
-          <p:cNvPr id="7" name="그림 6">
-            <a:extLst>
-              <a:ext uri="{FF2B5EF4-FFF2-40B4-BE49-F238E27FC236}">
-                <a16:creationId xmlns:a16="http://schemas.microsoft.com/office/drawing/2014/main" id="{F7C056D6-6006-44CC-9452-F99DD6D3F90E}"/>
+          <p:cNvPr id="6" name="그림 5">
+            <a:extLst>
+              <a:ext uri="{FF2B5EF4-FFF2-40B4-BE49-F238E27FC236}">
+                <a16:creationId xmlns:a16="http://schemas.microsoft.com/office/drawing/2014/main" id="{5F784254-5E30-409F-BEBC-77AE4968CC3B}"/>
               </a:ext>
             </a:extLst>
           </p:cNvPr>
@@ -3912,7 +3919,7 @@
         </p:blipFill>
         <p:spPr>
           <a:xfrm>
-            <a:off x="6072000" y="0"/>
+            <a:off x="6072000" y="-1084"/>
             <a:ext cx="6120000" cy="3420000"/>
           </a:xfrm>
           <a:prstGeom prst="rect">
@@ -3922,10 +3929,10 @@
       </p:pic>
       <p:pic>
         <p:nvPicPr>
-          <p:cNvPr id="9" name="그림 8">
-            <a:extLst>
-              <a:ext uri="{FF2B5EF4-FFF2-40B4-BE49-F238E27FC236}">
-                <a16:creationId xmlns:a16="http://schemas.microsoft.com/office/drawing/2014/main" id="{4C1897E4-0617-4FEB-864B-56251F3C10EA}"/>
+          <p:cNvPr id="10" name="그림 9">
+            <a:extLst>
+              <a:ext uri="{FF2B5EF4-FFF2-40B4-BE49-F238E27FC236}">
+                <a16:creationId xmlns:a16="http://schemas.microsoft.com/office/drawing/2014/main" id="{A66FBB31-1FC6-493F-B00A-FF3B2CA4555E}"/>
               </a:ext>
             </a:extLst>
           </p:cNvPr>
@@ -3948,7 +3955,7 @@
         </p:blipFill>
         <p:spPr>
           <a:xfrm>
-            <a:off x="0" y="3420000"/>
+            <a:off x="0" y="0"/>
             <a:ext cx="6120000" cy="3420000"/>
           </a:xfrm>
           <a:prstGeom prst="rect">
@@ -3958,10 +3965,10 @@
       </p:pic>
       <p:pic>
         <p:nvPicPr>
-          <p:cNvPr id="11" name="그림 10">
-            <a:extLst>
-              <a:ext uri="{FF2B5EF4-FFF2-40B4-BE49-F238E27FC236}">
-                <a16:creationId xmlns:a16="http://schemas.microsoft.com/office/drawing/2014/main" id="{72D2DBB1-DD91-4337-8298-076BCD7197F5}"/>
+          <p:cNvPr id="13" name="그림 12">
+            <a:extLst>
+              <a:ext uri="{FF2B5EF4-FFF2-40B4-BE49-F238E27FC236}">
+                <a16:creationId xmlns:a16="http://schemas.microsoft.com/office/drawing/2014/main" id="{979596D8-854A-441D-A11D-0D656E0FFC14}"/>
               </a:ext>
             </a:extLst>
           </p:cNvPr>
@@ -3984,7 +3991,7 @@
         </p:blipFill>
         <p:spPr>
           <a:xfrm>
-            <a:off x="6072000" y="3438000"/>
+            <a:off x="6072000" y="3375514"/>
             <a:ext cx="6120000" cy="3420000"/>
           </a:xfrm>
           <a:prstGeom prst="rect">
@@ -3995,7 +4002,7 @@
     </p:spTree>
     <p:extLst>
       <p:ext uri="{BB962C8B-B14F-4D97-AF65-F5344CB8AC3E}">
-        <p14:creationId xmlns:p14="http://schemas.microsoft.com/office/powerpoint/2010/main" val="2951196386"/>
+        <p14:creationId xmlns:p14="http://schemas.microsoft.com/office/powerpoint/2010/main" val="463200457"/>
       </p:ext>
     </p:extLst>
   </p:cSld>
@@ -4027,7 +4034,7 @@
           <p:cNvPr id="5" name="그림 4">
             <a:extLst>
               <a:ext uri="{FF2B5EF4-FFF2-40B4-BE49-F238E27FC236}">
-                <a16:creationId xmlns:a16="http://schemas.microsoft.com/office/drawing/2014/main" id="{8DB61F33-F925-4083-B3ED-7361DAAE5D8A}"/>
+                <a16:creationId xmlns:a16="http://schemas.microsoft.com/office/drawing/2014/main" id="{DDFAA0C1-CA2C-44A7-A6D9-BF330CB9FC36}"/>
               </a:ext>
             </a:extLst>
           </p:cNvPr>
@@ -4050,7 +4057,7 @@
         </p:blipFill>
         <p:spPr>
           <a:xfrm>
-            <a:off x="0" y="3420000"/>
+            <a:off x="0" y="0"/>
             <a:ext cx="6120000" cy="3420000"/>
           </a:xfrm>
           <a:prstGeom prst="rect">
@@ -4063,7 +4070,7 @@
           <p:cNvPr id="7" name="그림 6">
             <a:extLst>
               <a:ext uri="{FF2B5EF4-FFF2-40B4-BE49-F238E27FC236}">
-                <a16:creationId xmlns:a16="http://schemas.microsoft.com/office/drawing/2014/main" id="{B224AB25-71EF-4526-9E8D-DE28E54DCAF0}"/>
+                <a16:creationId xmlns:a16="http://schemas.microsoft.com/office/drawing/2014/main" id="{F7C056D6-6006-44CC-9452-F99DD6D3F90E}"/>
               </a:ext>
             </a:extLst>
           </p:cNvPr>
@@ -4086,7 +4093,7 @@
         </p:blipFill>
         <p:spPr>
           <a:xfrm>
-            <a:off x="5980041" y="3415852"/>
+            <a:off x="6072000" y="0"/>
             <a:ext cx="6120000" cy="3420000"/>
           </a:xfrm>
           <a:prstGeom prst="rect">
@@ -4099,7 +4106,7 @@
           <p:cNvPr id="9" name="그림 8">
             <a:extLst>
               <a:ext uri="{FF2B5EF4-FFF2-40B4-BE49-F238E27FC236}">
-                <a16:creationId xmlns:a16="http://schemas.microsoft.com/office/drawing/2014/main" id="{4C11BBCA-09CC-4A02-BA88-70A2D610DC3E}"/>
+                <a16:creationId xmlns:a16="http://schemas.microsoft.com/office/drawing/2014/main" id="{4C1897E4-0617-4FEB-864B-56251F3C10EA}"/>
               </a:ext>
             </a:extLst>
           </p:cNvPr>
@@ -4122,7 +4129,7 @@
         </p:blipFill>
         <p:spPr>
           <a:xfrm>
-            <a:off x="0" y="0"/>
+            <a:off x="0" y="3420000"/>
             <a:ext cx="6120000" cy="3420000"/>
           </a:xfrm>
           <a:prstGeom prst="rect">
@@ -4135,7 +4142,7 @@
           <p:cNvPr id="11" name="그림 10">
             <a:extLst>
               <a:ext uri="{FF2B5EF4-FFF2-40B4-BE49-F238E27FC236}">
-                <a16:creationId xmlns:a16="http://schemas.microsoft.com/office/drawing/2014/main" id="{A0475BE8-738C-49EA-A3ED-5089EA200983}"/>
+                <a16:creationId xmlns:a16="http://schemas.microsoft.com/office/drawing/2014/main" id="{72D2DBB1-DD91-4337-8298-076BCD7197F5}"/>
               </a:ext>
             </a:extLst>
           </p:cNvPr>
@@ -4158,7 +4165,7 @@
         </p:blipFill>
         <p:spPr>
           <a:xfrm>
-            <a:off x="5840081" y="4148"/>
+            <a:off x="6072000" y="3438000"/>
             <a:ext cx="6120000" cy="3420000"/>
           </a:xfrm>
           <a:prstGeom prst="rect">
@@ -4169,7 +4176,7 @@
     </p:spTree>
     <p:extLst>
       <p:ext uri="{BB962C8B-B14F-4D97-AF65-F5344CB8AC3E}">
-        <p14:creationId xmlns:p14="http://schemas.microsoft.com/office/powerpoint/2010/main" val="426939953"/>
+        <p14:creationId xmlns:p14="http://schemas.microsoft.com/office/powerpoint/2010/main" val="2951196386"/>
       </p:ext>
     </p:extLst>
   </p:cSld>
@@ -4201,7 +4208,7 @@
           <p:cNvPr id="5" name="그림 4">
             <a:extLst>
               <a:ext uri="{FF2B5EF4-FFF2-40B4-BE49-F238E27FC236}">
-                <a16:creationId xmlns:a16="http://schemas.microsoft.com/office/drawing/2014/main" id="{71F86D80-F384-4AA3-A2F5-0F42862ED35C}"/>
+                <a16:creationId xmlns:a16="http://schemas.microsoft.com/office/drawing/2014/main" id="{8DB61F33-F925-4083-B3ED-7361DAAE5D8A}"/>
               </a:ext>
             </a:extLst>
           </p:cNvPr>
@@ -4224,7 +4231,7 @@
         </p:blipFill>
         <p:spPr>
           <a:xfrm>
-            <a:off x="0" y="0"/>
+            <a:off x="0" y="3420000"/>
             <a:ext cx="6120000" cy="3420000"/>
           </a:xfrm>
           <a:prstGeom prst="rect">
@@ -4237,7 +4244,7 @@
           <p:cNvPr id="7" name="그림 6">
             <a:extLst>
               <a:ext uri="{FF2B5EF4-FFF2-40B4-BE49-F238E27FC236}">
-                <a16:creationId xmlns:a16="http://schemas.microsoft.com/office/drawing/2014/main" id="{46D3AFB6-40C3-4D61-A0D9-53B6626E657C}"/>
+                <a16:creationId xmlns:a16="http://schemas.microsoft.com/office/drawing/2014/main" id="{B224AB25-71EF-4526-9E8D-DE28E54DCAF0}"/>
               </a:ext>
             </a:extLst>
           </p:cNvPr>
@@ -4260,7 +4267,7 @@
         </p:blipFill>
         <p:spPr>
           <a:xfrm>
-            <a:off x="6072000" y="0"/>
+            <a:off x="5980041" y="3415852"/>
             <a:ext cx="6120000" cy="3420000"/>
           </a:xfrm>
           <a:prstGeom prst="rect">
@@ -4273,7 +4280,7 @@
           <p:cNvPr id="9" name="그림 8">
             <a:extLst>
               <a:ext uri="{FF2B5EF4-FFF2-40B4-BE49-F238E27FC236}">
-                <a16:creationId xmlns:a16="http://schemas.microsoft.com/office/drawing/2014/main" id="{7793C81A-3FE8-46D6-B0B5-A538211DBD9F}"/>
+                <a16:creationId xmlns:a16="http://schemas.microsoft.com/office/drawing/2014/main" id="{4C11BBCA-09CC-4A02-BA88-70A2D610DC3E}"/>
               </a:ext>
             </a:extLst>
           </p:cNvPr>
@@ -4296,7 +4303,7 @@
         </p:blipFill>
         <p:spPr>
           <a:xfrm>
-            <a:off x="0" y="3420000"/>
+            <a:off x="0" y="0"/>
             <a:ext cx="6120000" cy="3420000"/>
           </a:xfrm>
           <a:prstGeom prst="rect">
@@ -4309,7 +4316,7 @@
           <p:cNvPr id="11" name="그림 10">
             <a:extLst>
               <a:ext uri="{FF2B5EF4-FFF2-40B4-BE49-F238E27FC236}">
-                <a16:creationId xmlns:a16="http://schemas.microsoft.com/office/drawing/2014/main" id="{830BD8EE-DB68-4AD4-8FE6-C8DFDDE3E493}"/>
+                <a16:creationId xmlns:a16="http://schemas.microsoft.com/office/drawing/2014/main" id="{A0475BE8-738C-49EA-A3ED-5089EA200983}"/>
               </a:ext>
             </a:extLst>
           </p:cNvPr>
@@ -4332,6 +4339,180 @@
         </p:blipFill>
         <p:spPr>
           <a:xfrm>
+            <a:off x="5840081" y="4148"/>
+            <a:ext cx="6120000" cy="3420000"/>
+          </a:xfrm>
+          <a:prstGeom prst="rect">
+            <a:avLst/>
+          </a:prstGeom>
+        </p:spPr>
+      </p:pic>
+    </p:spTree>
+    <p:extLst>
+      <p:ext uri="{BB962C8B-B14F-4D97-AF65-F5344CB8AC3E}">
+        <p14:creationId xmlns:p14="http://schemas.microsoft.com/office/powerpoint/2010/main" val="426939953"/>
+      </p:ext>
+    </p:extLst>
+  </p:cSld>
+  <p:clrMapOvr>
+    <a:masterClrMapping/>
+  </p:clrMapOvr>
+</p:sld>
+</file>
+
+<file path=ppt/slides/slide7.xml><?xml version="1.0" encoding="utf-8"?>
+<p:sld xmlns:a="http://schemas.openxmlformats.org/drawingml/2006/main" xmlns:r="http://schemas.openxmlformats.org/officeDocument/2006/relationships" xmlns:p="http://schemas.openxmlformats.org/presentationml/2006/main">
+  <p:cSld>
+    <p:spTree>
+      <p:nvGrpSpPr>
+        <p:cNvPr id="1" name=""/>
+        <p:cNvGrpSpPr/>
+        <p:nvPr/>
+      </p:nvGrpSpPr>
+      <p:grpSpPr>
+        <a:xfrm>
+          <a:off x="0" y="0"/>
+          <a:ext cx="0" cy="0"/>
+          <a:chOff x="0" y="0"/>
+          <a:chExt cx="0" cy="0"/>
+        </a:xfrm>
+      </p:grpSpPr>
+      <p:pic>
+        <p:nvPicPr>
+          <p:cNvPr id="5" name="그림 4">
+            <a:extLst>
+              <a:ext uri="{FF2B5EF4-FFF2-40B4-BE49-F238E27FC236}">
+                <a16:creationId xmlns:a16="http://schemas.microsoft.com/office/drawing/2014/main" id="{71F86D80-F384-4AA3-A2F5-0F42862ED35C}"/>
+              </a:ext>
+            </a:extLst>
+          </p:cNvPr>
+          <p:cNvPicPr preferRelativeResize="0">
+            <a:picLocks/>
+          </p:cNvPicPr>
+          <p:nvPr/>
+        </p:nvPicPr>
+        <p:blipFill>
+          <a:blip r:embed="rId2">
+            <a:extLst>
+              <a:ext uri="{28A0092B-C50C-407E-A947-70E740481C1C}">
+                <a14:useLocalDpi xmlns:a14="http://schemas.microsoft.com/office/drawing/2010/main" val="0"/>
+              </a:ext>
+            </a:extLst>
+          </a:blip>
+          <a:stretch>
+            <a:fillRect/>
+          </a:stretch>
+        </p:blipFill>
+        <p:spPr>
+          <a:xfrm>
+            <a:off x="0" y="0"/>
+            <a:ext cx="6120000" cy="3420000"/>
+          </a:xfrm>
+          <a:prstGeom prst="rect">
+            <a:avLst/>
+          </a:prstGeom>
+        </p:spPr>
+      </p:pic>
+      <p:pic>
+        <p:nvPicPr>
+          <p:cNvPr id="7" name="그림 6">
+            <a:extLst>
+              <a:ext uri="{FF2B5EF4-FFF2-40B4-BE49-F238E27FC236}">
+                <a16:creationId xmlns:a16="http://schemas.microsoft.com/office/drawing/2014/main" id="{46D3AFB6-40C3-4D61-A0D9-53B6626E657C}"/>
+              </a:ext>
+            </a:extLst>
+          </p:cNvPr>
+          <p:cNvPicPr preferRelativeResize="0">
+            <a:picLocks/>
+          </p:cNvPicPr>
+          <p:nvPr/>
+        </p:nvPicPr>
+        <p:blipFill>
+          <a:blip r:embed="rId3">
+            <a:extLst>
+              <a:ext uri="{28A0092B-C50C-407E-A947-70E740481C1C}">
+                <a14:useLocalDpi xmlns:a14="http://schemas.microsoft.com/office/drawing/2010/main" val="0"/>
+              </a:ext>
+            </a:extLst>
+          </a:blip>
+          <a:stretch>
+            <a:fillRect/>
+          </a:stretch>
+        </p:blipFill>
+        <p:spPr>
+          <a:xfrm>
+            <a:off x="6072000" y="0"/>
+            <a:ext cx="6120000" cy="3420000"/>
+          </a:xfrm>
+          <a:prstGeom prst="rect">
+            <a:avLst/>
+          </a:prstGeom>
+        </p:spPr>
+      </p:pic>
+      <p:pic>
+        <p:nvPicPr>
+          <p:cNvPr id="9" name="그림 8">
+            <a:extLst>
+              <a:ext uri="{FF2B5EF4-FFF2-40B4-BE49-F238E27FC236}">
+                <a16:creationId xmlns:a16="http://schemas.microsoft.com/office/drawing/2014/main" id="{7793C81A-3FE8-46D6-B0B5-A538211DBD9F}"/>
+              </a:ext>
+            </a:extLst>
+          </p:cNvPr>
+          <p:cNvPicPr preferRelativeResize="0">
+            <a:picLocks/>
+          </p:cNvPicPr>
+          <p:nvPr/>
+        </p:nvPicPr>
+        <p:blipFill>
+          <a:blip r:embed="rId4">
+            <a:extLst>
+              <a:ext uri="{28A0092B-C50C-407E-A947-70E740481C1C}">
+                <a14:useLocalDpi xmlns:a14="http://schemas.microsoft.com/office/drawing/2010/main" val="0"/>
+              </a:ext>
+            </a:extLst>
+          </a:blip>
+          <a:stretch>
+            <a:fillRect/>
+          </a:stretch>
+        </p:blipFill>
+        <p:spPr>
+          <a:xfrm>
+            <a:off x="0" y="3420000"/>
+            <a:ext cx="6120000" cy="3420000"/>
+          </a:xfrm>
+          <a:prstGeom prst="rect">
+            <a:avLst/>
+          </a:prstGeom>
+        </p:spPr>
+      </p:pic>
+      <p:pic>
+        <p:nvPicPr>
+          <p:cNvPr id="11" name="그림 10">
+            <a:extLst>
+              <a:ext uri="{FF2B5EF4-FFF2-40B4-BE49-F238E27FC236}">
+                <a16:creationId xmlns:a16="http://schemas.microsoft.com/office/drawing/2014/main" id="{830BD8EE-DB68-4AD4-8FE6-C8DFDDE3E493}"/>
+              </a:ext>
+            </a:extLst>
+          </p:cNvPr>
+          <p:cNvPicPr preferRelativeResize="0">
+            <a:picLocks/>
+          </p:cNvPicPr>
+          <p:nvPr/>
+        </p:nvPicPr>
+        <p:blipFill>
+          <a:blip r:embed="rId5">
+            <a:extLst>
+              <a:ext uri="{28A0092B-C50C-407E-A947-70E740481C1C}">
+                <a14:useLocalDpi xmlns:a14="http://schemas.microsoft.com/office/drawing/2010/main" val="0"/>
+              </a:ext>
+            </a:extLst>
+          </a:blip>
+          <a:stretch>
+            <a:fillRect/>
+          </a:stretch>
+        </p:blipFill>
+        <p:spPr>
+          <a:xfrm>
             <a:off x="6072000" y="3438001"/>
             <a:ext cx="6120000" cy="3420000"/>
           </a:xfrm>
@@ -4344,6 +4525,180 @@
     <p:extLst>
       <p:ext uri="{BB962C8B-B14F-4D97-AF65-F5344CB8AC3E}">
         <p14:creationId xmlns:p14="http://schemas.microsoft.com/office/powerpoint/2010/main" val="794721424"/>
+      </p:ext>
+    </p:extLst>
+  </p:cSld>
+  <p:clrMapOvr>
+    <a:masterClrMapping/>
+  </p:clrMapOvr>
+</p:sld>
+</file>
+
+<file path=ppt/slides/slide8.xml><?xml version="1.0" encoding="utf-8"?>
+<p:sld xmlns:a="http://schemas.openxmlformats.org/drawingml/2006/main" xmlns:r="http://schemas.openxmlformats.org/officeDocument/2006/relationships" xmlns:p="http://schemas.openxmlformats.org/presentationml/2006/main">
+  <p:cSld>
+    <p:spTree>
+      <p:nvGrpSpPr>
+        <p:cNvPr id="1" name=""/>
+        <p:cNvGrpSpPr/>
+        <p:nvPr/>
+      </p:nvGrpSpPr>
+      <p:grpSpPr>
+        <a:xfrm>
+          <a:off x="0" y="0"/>
+          <a:ext cx="0" cy="0"/>
+          <a:chOff x="0" y="0"/>
+          <a:chExt cx="0" cy="0"/>
+        </a:xfrm>
+      </p:grpSpPr>
+      <p:pic>
+        <p:nvPicPr>
+          <p:cNvPr id="5" name="그림 4">
+            <a:extLst>
+              <a:ext uri="{FF2B5EF4-FFF2-40B4-BE49-F238E27FC236}">
+                <a16:creationId xmlns:a16="http://schemas.microsoft.com/office/drawing/2014/main" id="{7F8DBBE7-1864-451D-9570-5C66353DB6A9}"/>
+              </a:ext>
+            </a:extLst>
+          </p:cNvPr>
+          <p:cNvPicPr preferRelativeResize="0">
+            <a:picLocks/>
+          </p:cNvPicPr>
+          <p:nvPr/>
+        </p:nvPicPr>
+        <p:blipFill>
+          <a:blip r:embed="rId2">
+            <a:extLst>
+              <a:ext uri="{28A0092B-C50C-407E-A947-70E740481C1C}">
+                <a14:useLocalDpi xmlns:a14="http://schemas.microsoft.com/office/drawing/2010/main" val="0"/>
+              </a:ext>
+            </a:extLst>
+          </a:blip>
+          <a:stretch>
+            <a:fillRect/>
+          </a:stretch>
+        </p:blipFill>
+        <p:spPr>
+          <a:xfrm>
+            <a:off x="0" y="0"/>
+            <a:ext cx="6120000" cy="3420000"/>
+          </a:xfrm>
+          <a:prstGeom prst="rect">
+            <a:avLst/>
+          </a:prstGeom>
+        </p:spPr>
+      </p:pic>
+      <p:pic>
+        <p:nvPicPr>
+          <p:cNvPr id="7" name="그림 6">
+            <a:extLst>
+              <a:ext uri="{FF2B5EF4-FFF2-40B4-BE49-F238E27FC236}">
+                <a16:creationId xmlns:a16="http://schemas.microsoft.com/office/drawing/2014/main" id="{245A0F13-68D1-4997-8CEA-E19F3964B355}"/>
+              </a:ext>
+            </a:extLst>
+          </p:cNvPr>
+          <p:cNvPicPr preferRelativeResize="0">
+            <a:picLocks/>
+          </p:cNvPicPr>
+          <p:nvPr/>
+        </p:nvPicPr>
+        <p:blipFill>
+          <a:blip r:embed="rId3">
+            <a:extLst>
+              <a:ext uri="{28A0092B-C50C-407E-A947-70E740481C1C}">
+                <a14:useLocalDpi xmlns:a14="http://schemas.microsoft.com/office/drawing/2010/main" val="0"/>
+              </a:ext>
+            </a:extLst>
+          </a:blip>
+          <a:stretch>
+            <a:fillRect/>
+          </a:stretch>
+        </p:blipFill>
+        <p:spPr>
+          <a:xfrm>
+            <a:off x="6072000" y="0"/>
+            <a:ext cx="6120000" cy="3420000"/>
+          </a:xfrm>
+          <a:prstGeom prst="rect">
+            <a:avLst/>
+          </a:prstGeom>
+        </p:spPr>
+      </p:pic>
+      <p:pic>
+        <p:nvPicPr>
+          <p:cNvPr id="9" name="그림 8">
+            <a:extLst>
+              <a:ext uri="{FF2B5EF4-FFF2-40B4-BE49-F238E27FC236}">
+                <a16:creationId xmlns:a16="http://schemas.microsoft.com/office/drawing/2014/main" id="{3A98C5A5-5F01-4E71-8599-A7E429F5EB49}"/>
+              </a:ext>
+            </a:extLst>
+          </p:cNvPr>
+          <p:cNvPicPr preferRelativeResize="0">
+            <a:picLocks/>
+          </p:cNvPicPr>
+          <p:nvPr/>
+        </p:nvPicPr>
+        <p:blipFill>
+          <a:blip r:embed="rId4">
+            <a:extLst>
+              <a:ext uri="{28A0092B-C50C-407E-A947-70E740481C1C}">
+                <a14:useLocalDpi xmlns:a14="http://schemas.microsoft.com/office/drawing/2010/main" val="0"/>
+              </a:ext>
+            </a:extLst>
+          </a:blip>
+          <a:stretch>
+            <a:fillRect/>
+          </a:stretch>
+        </p:blipFill>
+        <p:spPr>
+          <a:xfrm>
+            <a:off x="0" y="3438001"/>
+            <a:ext cx="6120000" cy="3420000"/>
+          </a:xfrm>
+          <a:prstGeom prst="rect">
+            <a:avLst/>
+          </a:prstGeom>
+        </p:spPr>
+      </p:pic>
+      <p:pic>
+        <p:nvPicPr>
+          <p:cNvPr id="11" name="그림 10">
+            <a:extLst>
+              <a:ext uri="{FF2B5EF4-FFF2-40B4-BE49-F238E27FC236}">
+                <a16:creationId xmlns:a16="http://schemas.microsoft.com/office/drawing/2014/main" id="{60134BDE-EE74-4605-A2AB-AF483C5ACBA2}"/>
+              </a:ext>
+            </a:extLst>
+          </p:cNvPr>
+          <p:cNvPicPr preferRelativeResize="0">
+            <a:picLocks/>
+          </p:cNvPicPr>
+          <p:nvPr/>
+        </p:nvPicPr>
+        <p:blipFill>
+          <a:blip r:embed="rId5">
+            <a:extLst>
+              <a:ext uri="{28A0092B-C50C-407E-A947-70E740481C1C}">
+                <a14:useLocalDpi xmlns:a14="http://schemas.microsoft.com/office/drawing/2010/main" val="0"/>
+              </a:ext>
+            </a:extLst>
+          </a:blip>
+          <a:stretch>
+            <a:fillRect/>
+          </a:stretch>
+        </p:blipFill>
+        <p:spPr>
+          <a:xfrm>
+            <a:off x="6072000" y="3438001"/>
+            <a:ext cx="6120000" cy="3420000"/>
+          </a:xfrm>
+          <a:prstGeom prst="rect">
+            <a:avLst/>
+          </a:prstGeom>
+        </p:spPr>
+      </p:pic>
+    </p:spTree>
+    <p:extLst>
+      <p:ext uri="{BB962C8B-B14F-4D97-AF65-F5344CB8AC3E}">
+        <p14:creationId xmlns:p14="http://schemas.microsoft.com/office/powerpoint/2010/main" val="2519229195"/>
       </p:ext>
     </p:extLst>
   </p:cSld>
